--- a/projects/17_11_17_market/figs/fig.pptx
+++ b/projects/17_11_17_market/figs/fig.pptx
@@ -266,7 +266,7 @@
           <a:p>
             <a:fld id="{E81D94E8-F801-4F4E-B6BE-FE6AD29044C6}" type="datetimeFigureOut">
               <a:rPr lang="en-US" smtClean="0"/>
-              <a:t>1/28/2018</a:t>
+              <a:t>1/30/2018</a:t>
             </a:fld>
             <a:endParaRPr lang="en-US"/>
           </a:p>
@@ -464,7 +464,7 @@
           <a:p>
             <a:fld id="{E81D94E8-F801-4F4E-B6BE-FE6AD29044C6}" type="datetimeFigureOut">
               <a:rPr lang="en-US" smtClean="0"/>
-              <a:t>1/28/2018</a:t>
+              <a:t>1/30/2018</a:t>
             </a:fld>
             <a:endParaRPr lang="en-US"/>
           </a:p>
@@ -672,7 +672,7 @@
           <a:p>
             <a:fld id="{E81D94E8-F801-4F4E-B6BE-FE6AD29044C6}" type="datetimeFigureOut">
               <a:rPr lang="en-US" smtClean="0"/>
-              <a:t>1/28/2018</a:t>
+              <a:t>1/30/2018</a:t>
             </a:fld>
             <a:endParaRPr lang="en-US"/>
           </a:p>
@@ -870,7 +870,7 @@
           <a:p>
             <a:fld id="{E81D94E8-F801-4F4E-B6BE-FE6AD29044C6}" type="datetimeFigureOut">
               <a:rPr lang="en-US" smtClean="0"/>
-              <a:t>1/28/2018</a:t>
+              <a:t>1/30/2018</a:t>
             </a:fld>
             <a:endParaRPr lang="en-US"/>
           </a:p>
@@ -1145,7 +1145,7 @@
           <a:p>
             <a:fld id="{E81D94E8-F801-4F4E-B6BE-FE6AD29044C6}" type="datetimeFigureOut">
               <a:rPr lang="en-US" smtClean="0"/>
-              <a:t>1/28/2018</a:t>
+              <a:t>1/30/2018</a:t>
             </a:fld>
             <a:endParaRPr lang="en-US"/>
           </a:p>
@@ -1410,7 +1410,7 @@
           <a:p>
             <a:fld id="{E81D94E8-F801-4F4E-B6BE-FE6AD29044C6}" type="datetimeFigureOut">
               <a:rPr lang="en-US" smtClean="0"/>
-              <a:t>1/28/2018</a:t>
+              <a:t>1/30/2018</a:t>
             </a:fld>
             <a:endParaRPr lang="en-US"/>
           </a:p>
@@ -1822,7 +1822,7 @@
           <a:p>
             <a:fld id="{E81D94E8-F801-4F4E-B6BE-FE6AD29044C6}" type="datetimeFigureOut">
               <a:rPr lang="en-US" smtClean="0"/>
-              <a:t>1/28/2018</a:t>
+              <a:t>1/30/2018</a:t>
             </a:fld>
             <a:endParaRPr lang="en-US"/>
           </a:p>
@@ -1963,7 +1963,7 @@
           <a:p>
             <a:fld id="{E81D94E8-F801-4F4E-B6BE-FE6AD29044C6}" type="datetimeFigureOut">
               <a:rPr lang="en-US" smtClean="0"/>
-              <a:t>1/28/2018</a:t>
+              <a:t>1/30/2018</a:t>
             </a:fld>
             <a:endParaRPr lang="en-US"/>
           </a:p>
@@ -2076,7 +2076,7 @@
           <a:p>
             <a:fld id="{E81D94E8-F801-4F4E-B6BE-FE6AD29044C6}" type="datetimeFigureOut">
               <a:rPr lang="en-US" smtClean="0"/>
-              <a:t>1/28/2018</a:t>
+              <a:t>1/30/2018</a:t>
             </a:fld>
             <a:endParaRPr lang="en-US"/>
           </a:p>
@@ -2387,7 +2387,7 @@
           <a:p>
             <a:fld id="{E81D94E8-F801-4F4E-B6BE-FE6AD29044C6}" type="datetimeFigureOut">
               <a:rPr lang="en-US" smtClean="0"/>
-              <a:t>1/28/2018</a:t>
+              <a:t>1/30/2018</a:t>
             </a:fld>
             <a:endParaRPr lang="en-US"/>
           </a:p>
@@ -2675,7 +2675,7 @@
           <a:p>
             <a:fld id="{E81D94E8-F801-4F4E-B6BE-FE6AD29044C6}" type="datetimeFigureOut">
               <a:rPr lang="en-US" smtClean="0"/>
-              <a:t>1/28/2018</a:t>
+              <a:t>1/30/2018</a:t>
             </a:fld>
             <a:endParaRPr lang="en-US"/>
           </a:p>
@@ -2916,7 +2916,7 @@
           <a:p>
             <a:fld id="{E81D94E8-F801-4F4E-B6BE-FE6AD29044C6}" type="datetimeFigureOut">
               <a:rPr lang="en-US" smtClean="0"/>
-              <a:t>1/28/2018</a:t>
+              <a:t>1/30/2018</a:t>
             </a:fld>
             <a:endParaRPr lang="en-US"/>
           </a:p>
@@ -5161,7 +5161,7 @@
           </a:prstGeom>
           <a:ln w="25400">
             <a:solidFill>
-              <a:srgbClr val="C00000"/>
+              <a:schemeClr val="accent6"/>
             </a:solidFill>
             <a:tailEnd type="triangle"/>
           </a:ln>
@@ -5210,7 +5210,7 @@
           </a:prstGeom>
           <a:ln w="25400">
             <a:solidFill>
-              <a:schemeClr val="accent6"/>
+              <a:srgbClr val="C00000"/>
             </a:solidFill>
             <a:tailEnd type="triangle"/>
           </a:ln>
@@ -5235,8 +5235,8 @@
           </a:fontRef>
         </p:style>
       </p:cxnSp>
-      <mc:AlternateContent xmlns:mc="http://schemas.openxmlformats.org/markup-compatibility/2006" xmlns:a14="http://schemas.microsoft.com/office/drawing/2010/main">
-        <mc:Choice Requires="a14">
+      <mc:AlternateContent xmlns:mc="http://schemas.openxmlformats.org/markup-compatibility/2006">
+        <mc:Choice xmlns:a14="http://schemas.microsoft.com/office/drawing/2010/main" Requires="a14">
           <p:sp>
             <p:nvSpPr>
               <p:cNvPr id="14" name="TextBox 13">
@@ -5251,8 +5251,8 @@
             </p:nvSpPr>
             <p:spPr>
               <a:xfrm>
-                <a:off x="8589190" y="4244965"/>
-                <a:ext cx="277768" cy="276999"/>
+                <a:off x="4052608" y="1032504"/>
+                <a:ext cx="707373" cy="276999"/>
               </a:xfrm>
               <a:prstGeom prst="rect">
                 <a:avLst/>
@@ -5306,6 +5306,16 @@
                           </m:r>
                         </m:sub>
                       </m:sSub>
+                      <m:r>
+                        <a:rPr lang="en-US" b="0" i="1" smtClean="0">
+                          <a:solidFill>
+                            <a:srgbClr val="C00000"/>
+                          </a:solidFill>
+                          <a:latin typeface="Cambria Math" panose="02040503050406030204" pitchFamily="18" charset="0"/>
+                          <a:ea typeface="Cambria Math" panose="02040503050406030204" pitchFamily="18" charset="0"/>
+                        </a:rPr>
+                        <m:t>≥0</m:t>
+                      </m:r>
                     </m:oMath>
                   </m:oMathPara>
                 </a14:m>
@@ -5318,7 +5328,7 @@
             </p:txBody>
           </p:sp>
         </mc:Choice>
-        <mc:Fallback xmlns="">
+        <mc:Fallback>
           <p:sp>
             <p:nvSpPr>
               <p:cNvPr id="14" name="TextBox 13">
@@ -5335,8 +5345,8 @@
             </p:nvSpPr>
             <p:spPr>
               <a:xfrm>
-                <a:off x="8589190" y="4244965"/>
-                <a:ext cx="277768" cy="276999"/>
+                <a:off x="4052608" y="1032504"/>
+                <a:ext cx="707373" cy="276999"/>
               </a:xfrm>
               <a:prstGeom prst="rect">
                 <a:avLst/>
@@ -5344,7 +5354,7 @@
               <a:blipFill>
                 <a:blip r:embed="rId2"/>
                 <a:stretch>
-                  <a:fillRect l="-21739" r="-4348" b="-23913"/>
+                  <a:fillRect l="-7759" r="-6897" b="-23913"/>
                 </a:stretch>
               </a:blipFill>
             </p:spPr>
@@ -5363,8 +5373,8 @@
           </p:sp>
         </mc:Fallback>
       </mc:AlternateContent>
-      <mc:AlternateContent xmlns:mc="http://schemas.openxmlformats.org/markup-compatibility/2006" xmlns:a14="http://schemas.microsoft.com/office/drawing/2010/main">
-        <mc:Choice Requires="a14">
+      <mc:AlternateContent xmlns:mc="http://schemas.openxmlformats.org/markup-compatibility/2006">
+        <mc:Choice xmlns:a14="http://schemas.microsoft.com/office/drawing/2010/main" Requires="a14">
           <p:sp>
             <p:nvSpPr>
               <p:cNvPr id="15" name="TextBox 14">
@@ -5379,8 +5389,8 @@
             </p:nvSpPr>
             <p:spPr>
               <a:xfrm>
-                <a:off x="3809868" y="595115"/>
-                <a:ext cx="283091" cy="276999"/>
+                <a:off x="7858217" y="3938015"/>
+                <a:ext cx="712696" cy="276999"/>
               </a:xfrm>
               <a:prstGeom prst="rect">
                 <a:avLst/>
@@ -5434,6 +5444,25 @@
                           </m:r>
                         </m:sub>
                       </m:sSub>
+                      <m:r>
+                        <a:rPr lang="en-US" b="0" i="1" smtClean="0">
+                          <a:solidFill>
+                            <a:schemeClr val="accent6"/>
+                          </a:solidFill>
+                          <a:latin typeface="Cambria Math" panose="02040503050406030204" pitchFamily="18" charset="0"/>
+                          <a:ea typeface="Cambria Math" panose="02040503050406030204" pitchFamily="18" charset="0"/>
+                        </a:rPr>
+                        <m:t>≥</m:t>
+                      </m:r>
+                      <m:r>
+                        <a:rPr lang="en-US" b="0" i="1" smtClean="0">
+                          <a:solidFill>
+                            <a:schemeClr val="accent6"/>
+                          </a:solidFill>
+                          <a:latin typeface="Cambria Math" panose="02040503050406030204" pitchFamily="18" charset="0"/>
+                        </a:rPr>
+                        <m:t>0</m:t>
+                      </m:r>
                     </m:oMath>
                   </m:oMathPara>
                 </a14:m>
@@ -5446,7 +5475,7 @@
             </p:txBody>
           </p:sp>
         </mc:Choice>
-        <mc:Fallback xmlns="">
+        <mc:Fallback>
           <p:sp>
             <p:nvSpPr>
               <p:cNvPr id="15" name="TextBox 14">
@@ -5463,8 +5492,8 @@
             </p:nvSpPr>
             <p:spPr>
               <a:xfrm>
-                <a:off x="3809868" y="595115"/>
-                <a:ext cx="283091" cy="276999"/>
+                <a:off x="7858217" y="3938015"/>
+                <a:ext cx="712696" cy="276999"/>
               </a:xfrm>
               <a:prstGeom prst="rect">
                 <a:avLst/>
@@ -5472,7 +5501,7 @@
               <a:blipFill>
                 <a:blip r:embed="rId3"/>
                 <a:stretch>
-                  <a:fillRect l="-21739" r="-6522" b="-26667"/>
+                  <a:fillRect l="-7692" r="-7692" b="-26667"/>
                 </a:stretch>
               </a:blipFill>
             </p:spPr>
@@ -5515,7 +5544,7 @@
           </a:prstGeom>
           <a:ln w="25400">
             <a:solidFill>
-              <a:schemeClr val="accent6"/>
+              <a:srgbClr val="C00000"/>
             </a:solidFill>
           </a:ln>
           <a:effectLst>
@@ -5539,8 +5568,8 @@
           </a:fontRef>
         </p:style>
       </p:cxnSp>
-      <mc:AlternateContent xmlns:mc="http://schemas.openxmlformats.org/markup-compatibility/2006" xmlns:a14="http://schemas.microsoft.com/office/drawing/2010/main">
-        <mc:Choice Requires="a14">
+      <mc:AlternateContent xmlns:mc="http://schemas.openxmlformats.org/markup-compatibility/2006">
+        <mc:Choice xmlns:a14="http://schemas.microsoft.com/office/drawing/2010/main" Requires="a14">
           <p:sp>
             <p:nvSpPr>
               <p:cNvPr id="24" name="TextBox 23">
@@ -5581,7 +5610,7 @@
                           <m:ctrlPr>
                             <a:rPr lang="en-US" i="1" smtClean="0">
                               <a:solidFill>
-                                <a:srgbClr val="C00000"/>
+                                <a:schemeClr val="accent6"/>
                               </a:solidFill>
                               <a:latin typeface="Cambria Math" panose="02040503050406030204" pitchFamily="18" charset="0"/>
                             </a:rPr>
@@ -5591,7 +5620,7 @@
                           <m:r>
                             <a:rPr lang="en-US" b="0" i="1" smtClean="0">
                               <a:solidFill>
-                                <a:srgbClr val="C00000"/>
+                                <a:schemeClr val="accent6"/>
                               </a:solidFill>
                               <a:latin typeface="Cambria Math" panose="02040503050406030204" pitchFamily="18" charset="0"/>
                             </a:rPr>
@@ -5600,7 +5629,7 @@
                           <m:r>
                             <a:rPr lang="en-US" b="0" i="1" smtClean="0">
                               <a:solidFill>
-                                <a:srgbClr val="C00000"/>
+                                <a:schemeClr val="accent6"/>
                               </a:solidFill>
                               <a:latin typeface="Cambria Math" panose="02040503050406030204" pitchFamily="18" charset="0"/>
                             </a:rPr>
@@ -5611,7 +5640,7 @@
                           <m:r>
                             <a:rPr lang="en-US" b="0" i="1" smtClean="0">
                               <a:solidFill>
-                                <a:srgbClr val="C00000"/>
+                                <a:schemeClr val="accent6"/>
                               </a:solidFill>
                               <a:latin typeface="Cambria Math" panose="02040503050406030204" pitchFamily="18" charset="0"/>
                             </a:rPr>
@@ -5624,7 +5653,7 @@
                           <m:ctrlPr>
                             <a:rPr lang="en-US" b="0" i="1" smtClean="0">
                               <a:solidFill>
-                                <a:srgbClr val="C00000"/>
+                                <a:schemeClr val="accent6"/>
                               </a:solidFill>
                               <a:latin typeface="Cambria Math" panose="02040503050406030204" pitchFamily="18" charset="0"/>
                             </a:rPr>
@@ -5634,7 +5663,7 @@
                           <m:r>
                             <a:rPr lang="en-US" b="0" i="1" smtClean="0">
                               <a:solidFill>
-                                <a:srgbClr val="C00000"/>
+                                <a:schemeClr val="accent6"/>
                               </a:solidFill>
                               <a:latin typeface="Cambria Math" panose="02040503050406030204" pitchFamily="18" charset="0"/>
                             </a:rPr>
@@ -5643,7 +5672,7 @@
                           <m:r>
                             <a:rPr lang="en-US" b="0" i="1" smtClean="0">
                               <a:solidFill>
-                                <a:srgbClr val="C00000"/>
+                                <a:schemeClr val="accent6"/>
                               </a:solidFill>
                               <a:latin typeface="Cambria Math" panose="02040503050406030204" pitchFamily="18" charset="0"/>
                             </a:rPr>
@@ -5654,7 +5683,7 @@
                           <m:r>
                             <a:rPr lang="en-US" b="0" i="1" smtClean="0">
                               <a:solidFill>
-                                <a:srgbClr val="C00000"/>
+                                <a:schemeClr val="accent6"/>
                               </a:solidFill>
                               <a:latin typeface="Cambria Math" panose="02040503050406030204" pitchFamily="18" charset="0"/>
                             </a:rPr>
@@ -5665,7 +5694,7 @@
                       <m:r>
                         <a:rPr lang="en-US" b="0" i="1" smtClean="0">
                           <a:solidFill>
-                            <a:srgbClr val="C00000"/>
+                            <a:schemeClr val="accent6"/>
                           </a:solidFill>
                           <a:latin typeface="Cambria Math" panose="02040503050406030204" pitchFamily="18" charset="0"/>
                           <a:ea typeface="Cambria Math" panose="02040503050406030204" pitchFamily="18" charset="0"/>
@@ -5677,14 +5706,14 @@
                 </a14:m>
                 <a:endParaRPr lang="en-US" dirty="0">
                   <a:solidFill>
-                    <a:srgbClr val="C00000"/>
+                    <a:schemeClr val="accent6"/>
                   </a:solidFill>
                 </a:endParaRPr>
               </a:p>
             </p:txBody>
           </p:sp>
         </mc:Choice>
-        <mc:Fallback xmlns="">
+        <mc:Fallback>
           <p:sp>
             <p:nvSpPr>
               <p:cNvPr id="24" name="TextBox 23">
@@ -5729,8 +5758,8 @@
           </p:sp>
         </mc:Fallback>
       </mc:AlternateContent>
-      <mc:AlternateContent xmlns:mc="http://schemas.openxmlformats.org/markup-compatibility/2006" xmlns:a14="http://schemas.microsoft.com/office/drawing/2010/main">
-        <mc:Choice Requires="a14">
+      <mc:AlternateContent xmlns:mc="http://schemas.openxmlformats.org/markup-compatibility/2006">
+        <mc:Choice xmlns:a14="http://schemas.microsoft.com/office/drawing/2010/main" Requires="a14">
           <p:sp>
             <p:nvSpPr>
               <p:cNvPr id="26" name="TextBox 25">
@@ -5745,7 +5774,7 @@
             </p:nvSpPr>
             <p:spPr>
               <a:xfrm>
-                <a:off x="2443880" y="1309503"/>
+                <a:off x="2306669" y="1366070"/>
                 <a:ext cx="1341521" cy="276999"/>
               </a:xfrm>
               <a:prstGeom prst="rect">
@@ -5771,7 +5800,7 @@
                           <m:ctrlPr>
                             <a:rPr lang="en-US" i="1" smtClean="0">
                               <a:solidFill>
-                                <a:schemeClr val="accent6"/>
+                                <a:srgbClr val="C00000"/>
                               </a:solidFill>
                               <a:latin typeface="Cambria Math" panose="02040503050406030204" pitchFamily="18" charset="0"/>
                             </a:rPr>
@@ -5781,7 +5810,7 @@
                           <m:r>
                             <a:rPr lang="en-US" b="0" i="1" smtClean="0">
                               <a:solidFill>
-                                <a:schemeClr val="accent6"/>
+                                <a:srgbClr val="C00000"/>
                               </a:solidFill>
                               <a:latin typeface="Cambria Math" panose="02040503050406030204" pitchFamily="18" charset="0"/>
                             </a:rPr>
@@ -5792,7 +5821,7 @@
                           <m:r>
                             <a:rPr lang="en-US" b="0" i="1" smtClean="0">
                               <a:solidFill>
-                                <a:schemeClr val="accent6"/>
+                                <a:srgbClr val="C00000"/>
                               </a:solidFill>
                               <a:latin typeface="Cambria Math" panose="02040503050406030204" pitchFamily="18" charset="0"/>
                             </a:rPr>
@@ -5803,7 +5832,7 @@
                       <m:r>
                         <a:rPr lang="en-US" b="0" i="1" smtClean="0">
                           <a:solidFill>
-                            <a:schemeClr val="accent6"/>
+                            <a:srgbClr val="C00000"/>
                           </a:solidFill>
                           <a:latin typeface="Cambria Math" panose="02040503050406030204" pitchFamily="18" charset="0"/>
                         </a:rPr>
@@ -5814,7 +5843,7 @@
                           <m:ctrlPr>
                             <a:rPr lang="en-US" b="0" i="1" smtClean="0">
                               <a:solidFill>
-                                <a:schemeClr val="accent6"/>
+                                <a:srgbClr val="C00000"/>
                               </a:solidFill>
                               <a:latin typeface="Cambria Math" panose="02040503050406030204" pitchFamily="18" charset="0"/>
                             </a:rPr>
@@ -5824,7 +5853,7 @@
                           <m:r>
                             <a:rPr lang="en-US" b="0" i="1" smtClean="0">
                               <a:solidFill>
-                                <a:schemeClr val="accent6"/>
+                                <a:srgbClr val="C00000"/>
                               </a:solidFill>
                               <a:latin typeface="Cambria Math" panose="02040503050406030204" pitchFamily="18" charset="0"/>
                             </a:rPr>
@@ -5835,7 +5864,7 @@
                           <m:r>
                             <a:rPr lang="en-US" b="0" i="1" smtClean="0">
                               <a:solidFill>
-                                <a:schemeClr val="accent6"/>
+                                <a:srgbClr val="C00000"/>
                               </a:solidFill>
                               <a:latin typeface="Cambria Math" panose="02040503050406030204" pitchFamily="18" charset="0"/>
                             </a:rPr>
@@ -5846,7 +5875,7 @@
                       <m:r>
                         <a:rPr lang="en-US" b="0" i="1" smtClean="0">
                           <a:solidFill>
-                            <a:schemeClr val="accent6"/>
+                            <a:srgbClr val="C00000"/>
                           </a:solidFill>
                           <a:latin typeface="Cambria Math" panose="02040503050406030204" pitchFamily="18" charset="0"/>
                           <a:ea typeface="Cambria Math" panose="02040503050406030204" pitchFamily="18" charset="0"/>
@@ -5858,14 +5887,14 @@
                 </a14:m>
                 <a:endParaRPr lang="en-US" dirty="0">
                   <a:solidFill>
-                    <a:schemeClr val="accent6"/>
+                    <a:srgbClr val="C00000"/>
                   </a:solidFill>
                 </a:endParaRPr>
               </a:p>
             </p:txBody>
           </p:sp>
         </mc:Choice>
-        <mc:Fallback xmlns="">
+        <mc:Fallback>
           <p:sp>
             <p:nvSpPr>
               <p:cNvPr id="26" name="TextBox 25">
@@ -5882,7 +5911,7 @@
             </p:nvSpPr>
             <p:spPr>
               <a:xfrm>
-                <a:off x="2443880" y="1309503"/>
+                <a:off x="2306669" y="1366070"/>
                 <a:ext cx="1341521" cy="276999"/>
               </a:xfrm>
               <a:prstGeom prst="rect">
@@ -5891,7 +5920,7 @@
               <a:blipFill>
                 <a:blip r:embed="rId5"/>
                 <a:stretch>
-                  <a:fillRect l="-4091" r="-3636" b="-26667"/>
+                  <a:fillRect l="-4091" r="-4091" b="-23913"/>
                 </a:stretch>
               </a:blipFill>
             </p:spPr>
@@ -5932,7 +5961,7 @@
           </a:prstGeom>
           <a:ln w="25400">
             <a:solidFill>
-              <a:srgbClr val="C00000"/>
+              <a:schemeClr val="accent6"/>
             </a:solidFill>
           </a:ln>
           <a:effectLst>
